--- a/poster.pptx
+++ b/poster.pptx
@@ -3055,6 +3055,197 @@
           </a:p>
         </p:txBody>
       </p:sp>
+      <p:pic>
+        <p:nvPicPr>
+          <p:cNvPr id="11" name="Picture 10" descr="A graph with red dots&#10;&#10;Description automatically generated">
+            <a:extLst>
+              <a:ext uri="{FF2B5EF4-FFF2-40B4-BE49-F238E27FC236}">
+                <a16:creationId xmlns:a16="http://schemas.microsoft.com/office/drawing/2014/main" id="{670644D8-9C5C-D506-4228-A2AE41759774}"/>
+              </a:ext>
+            </a:extLst>
+          </p:cNvPr>
+          <p:cNvPicPr>
+            <a:picLocks noChangeAspect="1"/>
+          </p:cNvPicPr>
+          <p:nvPr/>
+        </p:nvPicPr>
+        <p:blipFill>
+          <a:blip r:embed="rId2">
+            <a:extLst>
+              <a:ext uri="{28A0092B-C50C-407E-A947-70E740481C1C}">
+                <a14:useLocalDpi xmlns:a14="http://schemas.microsoft.com/office/drawing/2010/main" val="0"/>
+              </a:ext>
+            </a:extLst>
+          </a:blip>
+          <a:stretch>
+            <a:fillRect/>
+          </a:stretch>
+        </p:blipFill>
+        <p:spPr>
+          <a:xfrm>
+            <a:off x="2103120" y="27614863"/>
+            <a:ext cx="5852172" cy="4389129"/>
+          </a:xfrm>
+          <a:prstGeom prst="rect">
+            <a:avLst/>
+          </a:prstGeom>
+        </p:spPr>
+      </p:pic>
+      <p:pic>
+        <p:nvPicPr>
+          <p:cNvPr id="13" name="Picture 12" descr="A graph with red dots&#10;&#10;Description automatically generated">
+            <a:extLst>
+              <a:ext uri="{FF2B5EF4-FFF2-40B4-BE49-F238E27FC236}">
+                <a16:creationId xmlns:a16="http://schemas.microsoft.com/office/drawing/2014/main" id="{94A3C8DC-931C-CE41-E71E-DDC009B24356}"/>
+              </a:ext>
+            </a:extLst>
+          </p:cNvPr>
+          <p:cNvPicPr>
+            <a:picLocks noChangeAspect="1"/>
+          </p:cNvPicPr>
+          <p:nvPr/>
+        </p:nvPicPr>
+        <p:blipFill>
+          <a:blip r:embed="rId3">
+            <a:extLst>
+              <a:ext uri="{28A0092B-C50C-407E-A947-70E740481C1C}">
+                <a14:useLocalDpi xmlns:a14="http://schemas.microsoft.com/office/drawing/2010/main" val="0"/>
+              </a:ext>
+            </a:extLst>
+          </a:blip>
+          <a:stretch>
+            <a:fillRect/>
+          </a:stretch>
+        </p:blipFill>
+        <p:spPr>
+          <a:xfrm>
+            <a:off x="7955292" y="27614864"/>
+            <a:ext cx="5852172" cy="4389129"/>
+          </a:xfrm>
+          <a:prstGeom prst="rect">
+            <a:avLst/>
+          </a:prstGeom>
+        </p:spPr>
+      </p:pic>
+      <p:pic>
+        <p:nvPicPr>
+          <p:cNvPr id="15" name="Picture 14" descr="A graph of luminosity&#10;&#10;Description automatically generated">
+            <a:extLst>
+              <a:ext uri="{FF2B5EF4-FFF2-40B4-BE49-F238E27FC236}">
+                <a16:creationId xmlns:a16="http://schemas.microsoft.com/office/drawing/2014/main" id="{1A09A065-402D-4BC3-0F3A-A1ABDFAA9267}"/>
+              </a:ext>
+            </a:extLst>
+          </p:cNvPr>
+          <p:cNvPicPr>
+            <a:picLocks noChangeAspect="1"/>
+          </p:cNvPicPr>
+          <p:nvPr/>
+        </p:nvPicPr>
+        <p:blipFill>
+          <a:blip r:embed="rId4">
+            <a:extLst>
+              <a:ext uri="{28A0092B-C50C-407E-A947-70E740481C1C}">
+                <a14:useLocalDpi xmlns:a14="http://schemas.microsoft.com/office/drawing/2010/main" val="0"/>
+              </a:ext>
+            </a:extLst>
+          </a:blip>
+          <a:stretch>
+            <a:fillRect/>
+          </a:stretch>
+        </p:blipFill>
+        <p:spPr>
+          <a:xfrm>
+            <a:off x="2103120" y="32095430"/>
+            <a:ext cx="5852172" cy="4389129"/>
+          </a:xfrm>
+          <a:prstGeom prst="rect">
+            <a:avLst/>
+          </a:prstGeom>
+        </p:spPr>
+      </p:pic>
+      <p:pic>
+        <p:nvPicPr>
+          <p:cNvPr id="17" name="Picture 16" descr="A graph of metallurgy&#10;&#10;Description automatically generated">
+            <a:extLst>
+              <a:ext uri="{FF2B5EF4-FFF2-40B4-BE49-F238E27FC236}">
+                <a16:creationId xmlns:a16="http://schemas.microsoft.com/office/drawing/2014/main" id="{8973ACEE-A082-BB6A-DAFB-A4D337AE0B50}"/>
+              </a:ext>
+            </a:extLst>
+          </p:cNvPr>
+          <p:cNvPicPr>
+            <a:picLocks noChangeAspect="1"/>
+          </p:cNvPicPr>
+          <p:nvPr/>
+        </p:nvPicPr>
+        <p:blipFill>
+          <a:blip r:embed="rId5">
+            <a:extLst>
+              <a:ext uri="{28A0092B-C50C-407E-A947-70E740481C1C}">
+                <a14:useLocalDpi xmlns:a14="http://schemas.microsoft.com/office/drawing/2010/main" val="0"/>
+              </a:ext>
+            </a:extLst>
+          </a:blip>
+          <a:stretch>
+            <a:fillRect/>
+          </a:stretch>
+        </p:blipFill>
+        <p:spPr>
+          <a:xfrm>
+            <a:off x="7955292" y="32003992"/>
+            <a:ext cx="5852172" cy="4389129"/>
+          </a:xfrm>
+          <a:prstGeom prst="rect">
+            <a:avLst/>
+          </a:prstGeom>
+        </p:spPr>
+      </p:pic>
+      <p:pic>
+        <p:nvPicPr>
+          <p:cNvPr id="1030" name="Picture 6">
+            <a:extLst>
+              <a:ext uri="{FF2B5EF4-FFF2-40B4-BE49-F238E27FC236}">
+                <a16:creationId xmlns:a16="http://schemas.microsoft.com/office/drawing/2014/main" id="{06375F20-7A93-18D0-EA27-87E29EC82BF9}"/>
+              </a:ext>
+            </a:extLst>
+          </p:cNvPr>
+          <p:cNvPicPr>
+            <a:picLocks noChangeAspect="1" noChangeArrowheads="1"/>
+          </p:cNvPicPr>
+          <p:nvPr/>
+        </p:nvPicPr>
+        <p:blipFill>
+          <a:blip r:embed="rId6">
+            <a:extLst>
+              <a:ext uri="{28A0092B-C50C-407E-A947-70E740481C1C}">
+                <a14:useLocalDpi xmlns:a14="http://schemas.microsoft.com/office/drawing/2010/main" val="0"/>
+              </a:ext>
+            </a:extLst>
+          </a:blip>
+          <a:srcRect/>
+          <a:stretch>
+            <a:fillRect/>
+          </a:stretch>
+        </p:blipFill>
+        <p:spPr bwMode="auto">
+          <a:xfrm>
+            <a:off x="2103121" y="22624571"/>
+            <a:ext cx="5852172" cy="4990291"/>
+          </a:xfrm>
+          <a:prstGeom prst="rect">
+            <a:avLst/>
+          </a:prstGeom>
+          <a:noFill/>
+          <a:extLst>
+            <a:ext uri="{909E8E84-426E-40DD-AFC4-6F175D3DCCD1}">
+              <a14:hiddenFill xmlns:a14="http://schemas.microsoft.com/office/drawing/2010/main">
+                <a:solidFill>
+                  <a:srgbClr val="FFFFFF"/>
+                </a:solidFill>
+              </a14:hiddenFill>
+            </a:ext>
+          </a:extLst>
+        </p:spPr>
+      </p:pic>
     </p:spTree>
     <p:extLst>
       <p:ext uri="{BB962C8B-B14F-4D97-AF65-F5344CB8AC3E}">

--- a/poster.pptx
+++ b/poster.pptx
@@ -104,6 +104,11 @@
       </a:defRPr>
     </a:lvl9pPr>
   </p:defaultTextStyle>
+  <p:extLst>
+    <p:ext uri="{EFAFB233-063F-42B5-8137-9DF3F51BA10A}">
+      <p15:sldGuideLst xmlns:p15="http://schemas.microsoft.com/office/powerpoint/2012/main"/>
+    </p:ext>
+  </p:extLst>
 </p:presentation>
 </file>
 
@@ -3055,150 +3060,171 @@
           </a:p>
         </p:txBody>
       </p:sp>
-      <p:pic>
-        <p:nvPicPr>
-          <p:cNvPr id="11" name="Picture 10" descr="A graph with red dots&#10;&#10;Description automatically generated">
+      <p:grpSp>
+        <p:nvGrpSpPr>
+          <p:cNvPr id="20" name="Group 19">
             <a:extLst>
               <a:ext uri="{FF2B5EF4-FFF2-40B4-BE49-F238E27FC236}">
-                <a16:creationId xmlns:a16="http://schemas.microsoft.com/office/drawing/2014/main" id="{670644D8-9C5C-D506-4228-A2AE41759774}"/>
+                <a16:creationId xmlns:a16="http://schemas.microsoft.com/office/drawing/2014/main" id="{049839CB-7264-A381-7483-237A607E8C3D}"/>
               </a:ext>
             </a:extLst>
           </p:cNvPr>
-          <p:cNvPicPr>
-            <a:picLocks noChangeAspect="1"/>
-          </p:cNvPicPr>
+          <p:cNvGrpSpPr/>
           <p:nvPr/>
-        </p:nvPicPr>
-        <p:blipFill>
-          <a:blip r:embed="rId2">
-            <a:extLst>
-              <a:ext uri="{28A0092B-C50C-407E-A947-70E740481C1C}">
-                <a14:useLocalDpi xmlns:a14="http://schemas.microsoft.com/office/drawing/2010/main" val="0"/>
-              </a:ext>
-            </a:extLst>
-          </a:blip>
-          <a:stretch>
-            <a:fillRect/>
-          </a:stretch>
-        </p:blipFill>
-        <p:spPr>
+        </p:nvGrpSpPr>
+        <p:grpSpPr>
           <a:xfrm>
-            <a:off x="2103120" y="27614863"/>
-            <a:ext cx="5852172" cy="4389129"/>
+            <a:off x="3428988" y="17152807"/>
+            <a:ext cx="11704344" cy="8869696"/>
+            <a:chOff x="2103120" y="27614863"/>
+            <a:chExt cx="11704344" cy="8869696"/>
           </a:xfrm>
-          <a:prstGeom prst="rect">
-            <a:avLst/>
-          </a:prstGeom>
-        </p:spPr>
-      </p:pic>
-      <p:pic>
-        <p:nvPicPr>
-          <p:cNvPr id="13" name="Picture 12" descr="A graph with red dots&#10;&#10;Description automatically generated">
-            <a:extLst>
-              <a:ext uri="{FF2B5EF4-FFF2-40B4-BE49-F238E27FC236}">
-                <a16:creationId xmlns:a16="http://schemas.microsoft.com/office/drawing/2014/main" id="{94A3C8DC-931C-CE41-E71E-DDC009B24356}"/>
-              </a:ext>
-            </a:extLst>
-          </p:cNvPr>
-          <p:cNvPicPr>
-            <a:picLocks noChangeAspect="1"/>
-          </p:cNvPicPr>
-          <p:nvPr/>
-        </p:nvPicPr>
-        <p:blipFill>
-          <a:blip r:embed="rId3">
-            <a:extLst>
-              <a:ext uri="{28A0092B-C50C-407E-A947-70E740481C1C}">
-                <a14:useLocalDpi xmlns:a14="http://schemas.microsoft.com/office/drawing/2010/main" val="0"/>
-              </a:ext>
-            </a:extLst>
-          </a:blip>
-          <a:stretch>
-            <a:fillRect/>
-          </a:stretch>
-        </p:blipFill>
-        <p:spPr>
-          <a:xfrm>
-            <a:off x="7955292" y="27614864"/>
-            <a:ext cx="5852172" cy="4389129"/>
-          </a:xfrm>
-          <a:prstGeom prst="rect">
-            <a:avLst/>
-          </a:prstGeom>
-        </p:spPr>
-      </p:pic>
-      <p:pic>
-        <p:nvPicPr>
-          <p:cNvPr id="15" name="Picture 14" descr="A graph of luminosity&#10;&#10;Description automatically generated">
-            <a:extLst>
-              <a:ext uri="{FF2B5EF4-FFF2-40B4-BE49-F238E27FC236}">
-                <a16:creationId xmlns:a16="http://schemas.microsoft.com/office/drawing/2014/main" id="{1A09A065-402D-4BC3-0F3A-A1ABDFAA9267}"/>
-              </a:ext>
-            </a:extLst>
-          </p:cNvPr>
-          <p:cNvPicPr>
-            <a:picLocks noChangeAspect="1"/>
-          </p:cNvPicPr>
-          <p:nvPr/>
-        </p:nvPicPr>
-        <p:blipFill>
-          <a:blip r:embed="rId4">
-            <a:extLst>
-              <a:ext uri="{28A0092B-C50C-407E-A947-70E740481C1C}">
-                <a14:useLocalDpi xmlns:a14="http://schemas.microsoft.com/office/drawing/2010/main" val="0"/>
-              </a:ext>
-            </a:extLst>
-          </a:blip>
-          <a:stretch>
-            <a:fillRect/>
-          </a:stretch>
-        </p:blipFill>
-        <p:spPr>
-          <a:xfrm>
-            <a:off x="2103120" y="32095430"/>
-            <a:ext cx="5852172" cy="4389129"/>
-          </a:xfrm>
-          <a:prstGeom prst="rect">
-            <a:avLst/>
-          </a:prstGeom>
-        </p:spPr>
-      </p:pic>
-      <p:pic>
-        <p:nvPicPr>
-          <p:cNvPr id="17" name="Picture 16" descr="A graph of metallurgy&#10;&#10;Description automatically generated">
-            <a:extLst>
-              <a:ext uri="{FF2B5EF4-FFF2-40B4-BE49-F238E27FC236}">
-                <a16:creationId xmlns:a16="http://schemas.microsoft.com/office/drawing/2014/main" id="{8973ACEE-A082-BB6A-DAFB-A4D337AE0B50}"/>
-              </a:ext>
-            </a:extLst>
-          </p:cNvPr>
-          <p:cNvPicPr>
-            <a:picLocks noChangeAspect="1"/>
-          </p:cNvPicPr>
-          <p:nvPr/>
-        </p:nvPicPr>
-        <p:blipFill>
-          <a:blip r:embed="rId5">
-            <a:extLst>
-              <a:ext uri="{28A0092B-C50C-407E-A947-70E740481C1C}">
-                <a14:useLocalDpi xmlns:a14="http://schemas.microsoft.com/office/drawing/2010/main" val="0"/>
-              </a:ext>
-            </a:extLst>
-          </a:blip>
-          <a:stretch>
-            <a:fillRect/>
-          </a:stretch>
-        </p:blipFill>
-        <p:spPr>
-          <a:xfrm>
-            <a:off x="7955292" y="32003992"/>
-            <a:ext cx="5852172" cy="4389129"/>
-          </a:xfrm>
-          <a:prstGeom prst="rect">
-            <a:avLst/>
-          </a:prstGeom>
-        </p:spPr>
-      </p:pic>
+        </p:grpSpPr>
+        <p:pic>
+          <p:nvPicPr>
+            <p:cNvPr id="11" name="Picture 10" descr="A graph with red dots&#10;&#10;Description automatically generated">
+              <a:extLst>
+                <a:ext uri="{FF2B5EF4-FFF2-40B4-BE49-F238E27FC236}">
+                  <a16:creationId xmlns:a16="http://schemas.microsoft.com/office/drawing/2014/main" id="{670644D8-9C5C-D506-4228-A2AE41759774}"/>
+                </a:ext>
+              </a:extLst>
+            </p:cNvPr>
+            <p:cNvPicPr>
+              <a:picLocks noChangeAspect="1"/>
+            </p:cNvPicPr>
+            <p:nvPr/>
+          </p:nvPicPr>
+          <p:blipFill>
+            <a:blip r:embed="rId2">
+              <a:extLst>
+                <a:ext uri="{28A0092B-C50C-407E-A947-70E740481C1C}">
+                  <a14:useLocalDpi xmlns:a14="http://schemas.microsoft.com/office/drawing/2010/main" val="0"/>
+                </a:ext>
+              </a:extLst>
+            </a:blip>
+            <a:stretch>
+              <a:fillRect/>
+            </a:stretch>
+          </p:blipFill>
+          <p:spPr>
+            <a:xfrm>
+              <a:off x="2103120" y="27614863"/>
+              <a:ext cx="5852172" cy="4389129"/>
+            </a:xfrm>
+            <a:prstGeom prst="rect">
+              <a:avLst/>
+            </a:prstGeom>
+          </p:spPr>
+        </p:pic>
+        <p:pic>
+          <p:nvPicPr>
+            <p:cNvPr id="13" name="Picture 12" descr="A graph with red dots&#10;&#10;Description automatically generated">
+              <a:extLst>
+                <a:ext uri="{FF2B5EF4-FFF2-40B4-BE49-F238E27FC236}">
+                  <a16:creationId xmlns:a16="http://schemas.microsoft.com/office/drawing/2014/main" id="{94A3C8DC-931C-CE41-E71E-DDC009B24356}"/>
+                </a:ext>
+              </a:extLst>
+            </p:cNvPr>
+            <p:cNvPicPr>
+              <a:picLocks noChangeAspect="1"/>
+            </p:cNvPicPr>
+            <p:nvPr/>
+          </p:nvPicPr>
+          <p:blipFill>
+            <a:blip r:embed="rId3">
+              <a:extLst>
+                <a:ext uri="{28A0092B-C50C-407E-A947-70E740481C1C}">
+                  <a14:useLocalDpi xmlns:a14="http://schemas.microsoft.com/office/drawing/2010/main" val="0"/>
+                </a:ext>
+              </a:extLst>
+            </a:blip>
+            <a:stretch>
+              <a:fillRect/>
+            </a:stretch>
+          </p:blipFill>
+          <p:spPr>
+            <a:xfrm>
+              <a:off x="7955292" y="27614864"/>
+              <a:ext cx="5852172" cy="4389129"/>
+            </a:xfrm>
+            <a:prstGeom prst="rect">
+              <a:avLst/>
+            </a:prstGeom>
+          </p:spPr>
+        </p:pic>
+        <p:pic>
+          <p:nvPicPr>
+            <p:cNvPr id="15" name="Picture 14" descr="A graph of luminosity&#10;&#10;Description automatically generated">
+              <a:extLst>
+                <a:ext uri="{FF2B5EF4-FFF2-40B4-BE49-F238E27FC236}">
+                  <a16:creationId xmlns:a16="http://schemas.microsoft.com/office/drawing/2014/main" id="{1A09A065-402D-4BC3-0F3A-A1ABDFAA9267}"/>
+                </a:ext>
+              </a:extLst>
+            </p:cNvPr>
+            <p:cNvPicPr>
+              <a:picLocks noChangeAspect="1"/>
+            </p:cNvPicPr>
+            <p:nvPr/>
+          </p:nvPicPr>
+          <p:blipFill>
+            <a:blip r:embed="rId4">
+              <a:extLst>
+                <a:ext uri="{28A0092B-C50C-407E-A947-70E740481C1C}">
+                  <a14:useLocalDpi xmlns:a14="http://schemas.microsoft.com/office/drawing/2010/main" val="0"/>
+                </a:ext>
+              </a:extLst>
+            </a:blip>
+            <a:stretch>
+              <a:fillRect/>
+            </a:stretch>
+          </p:blipFill>
+          <p:spPr>
+            <a:xfrm>
+              <a:off x="2103120" y="32095430"/>
+              <a:ext cx="5852172" cy="4389129"/>
+            </a:xfrm>
+            <a:prstGeom prst="rect">
+              <a:avLst/>
+            </a:prstGeom>
+          </p:spPr>
+        </p:pic>
+        <p:pic>
+          <p:nvPicPr>
+            <p:cNvPr id="17" name="Picture 16" descr="A graph of metallurgy&#10;&#10;Description automatically generated">
+              <a:extLst>
+                <a:ext uri="{FF2B5EF4-FFF2-40B4-BE49-F238E27FC236}">
+                  <a16:creationId xmlns:a16="http://schemas.microsoft.com/office/drawing/2014/main" id="{8973ACEE-A082-BB6A-DAFB-A4D337AE0B50}"/>
+                </a:ext>
+              </a:extLst>
+            </p:cNvPr>
+            <p:cNvPicPr>
+              <a:picLocks noChangeAspect="1"/>
+            </p:cNvPicPr>
+            <p:nvPr/>
+          </p:nvPicPr>
+          <p:blipFill>
+            <a:blip r:embed="rId5">
+              <a:extLst>
+                <a:ext uri="{28A0092B-C50C-407E-A947-70E740481C1C}">
+                  <a14:useLocalDpi xmlns:a14="http://schemas.microsoft.com/office/drawing/2010/main" val="0"/>
+                </a:ext>
+              </a:extLst>
+            </a:blip>
+            <a:stretch>
+              <a:fillRect/>
+            </a:stretch>
+          </p:blipFill>
+          <p:spPr>
+            <a:xfrm>
+              <a:off x="7955292" y="32003992"/>
+              <a:ext cx="5852172" cy="4389129"/>
+            </a:xfrm>
+            <a:prstGeom prst="rect">
+              <a:avLst/>
+            </a:prstGeom>
+          </p:spPr>
+        </p:pic>
+      </p:grpSp>
       <p:pic>
         <p:nvPicPr>
           <p:cNvPr id="1030" name="Picture 6">
@@ -3228,7 +3254,7 @@
         </p:blipFill>
         <p:spPr bwMode="auto">
           <a:xfrm>
-            <a:off x="2103121" y="22624571"/>
+            <a:off x="24505908" y="7108155"/>
             <a:ext cx="5852172" cy="4990291"/>
           </a:xfrm>
           <a:prstGeom prst="rect">
@@ -3246,6 +3272,571 @@
           </a:extLst>
         </p:spPr>
       </p:pic>
+      <p:cxnSp>
+        <p:nvCxnSpPr>
+          <p:cNvPr id="8" name="Straight Connector 7">
+            <a:extLst>
+              <a:ext uri="{FF2B5EF4-FFF2-40B4-BE49-F238E27FC236}">
+                <a16:creationId xmlns:a16="http://schemas.microsoft.com/office/drawing/2014/main" id="{087A597B-72D1-3245-81A9-D7DF161F73F9}"/>
+              </a:ext>
+            </a:extLst>
+          </p:cNvPr>
+          <p:cNvCxnSpPr/>
+          <p:nvPr/>
+        </p:nvCxnSpPr>
+        <p:spPr>
+          <a:xfrm>
+            <a:off x="-990600" y="6019800"/>
+            <a:ext cx="35585400" cy="0"/>
+          </a:xfrm>
+          <a:prstGeom prst="line">
+            <a:avLst/>
+          </a:prstGeom>
+        </p:spPr>
+        <p:style>
+          <a:lnRef idx="2">
+            <a:schemeClr val="accent1"/>
+          </a:lnRef>
+          <a:fillRef idx="0">
+            <a:schemeClr val="accent1"/>
+          </a:fillRef>
+          <a:effectRef idx="1">
+            <a:schemeClr val="accent1"/>
+          </a:effectRef>
+          <a:fontRef idx="minor">
+            <a:schemeClr val="tx1"/>
+          </a:fontRef>
+        </p:style>
+      </p:cxnSp>
+      <p:sp>
+        <p:nvSpPr>
+          <p:cNvPr id="10" name="TextBox 9">
+            <a:extLst>
+              <a:ext uri="{FF2B5EF4-FFF2-40B4-BE49-F238E27FC236}">
+                <a16:creationId xmlns:a16="http://schemas.microsoft.com/office/drawing/2014/main" id="{8E508FA1-1FA5-E132-4C63-6C746EF32006}"/>
+              </a:ext>
+            </a:extLst>
+          </p:cNvPr>
+          <p:cNvSpPr txBox="1"/>
+          <p:nvPr/>
+        </p:nvSpPr>
+        <p:spPr>
+          <a:xfrm>
+            <a:off x="2103120" y="1682386"/>
+            <a:ext cx="28712160" cy="646331"/>
+          </a:xfrm>
+          <a:prstGeom prst="rect">
+            <a:avLst/>
+          </a:prstGeom>
+          <a:noFill/>
+        </p:spPr>
+        <p:txBody>
+          <a:bodyPr wrap="square" rtlCol="0">
+            <a:spAutoFit/>
+          </a:bodyPr>
+          <a:lstStyle/>
+          <a:p>
+            <a:pPr algn="ctr" rtl="0">
+              <a:spcBef>
+                <a:spcPts val="0"/>
+              </a:spcBef>
+              <a:spcAft>
+                <a:spcPts val="0"/>
+              </a:spcAft>
+            </a:pPr>
+            <a:r>
+              <a:rPr lang="en-US" sz="3600" dirty="0"/>
+              <a:t>Kriisa Halley, Duncan Lorimer</a:t>
+            </a:r>
+            <a:endParaRPr lang="en-US" sz="3600" dirty="0">
+              <a:effectLst/>
+            </a:endParaRPr>
+          </a:p>
+        </p:txBody>
+      </p:sp>
+      <p:sp>
+        <p:nvSpPr>
+          <p:cNvPr id="12" name="TextBox 11">
+            <a:extLst>
+              <a:ext uri="{FF2B5EF4-FFF2-40B4-BE49-F238E27FC236}">
+                <a16:creationId xmlns:a16="http://schemas.microsoft.com/office/drawing/2014/main" id="{28DD2096-C5F3-F6ED-6544-744887479785}"/>
+              </a:ext>
+            </a:extLst>
+          </p:cNvPr>
+          <p:cNvSpPr txBox="1"/>
+          <p:nvPr/>
+        </p:nvSpPr>
+        <p:spPr>
+          <a:xfrm>
+            <a:off x="2103120" y="7108155"/>
+            <a:ext cx="14356080" cy="8956298"/>
+          </a:xfrm>
+          <a:prstGeom prst="rect">
+            <a:avLst/>
+          </a:prstGeom>
+          <a:noFill/>
+          <a:ln>
+            <a:solidFill>
+              <a:schemeClr val="accent1"/>
+            </a:solidFill>
+          </a:ln>
+        </p:spPr>
+        <p:txBody>
+          <a:bodyPr wrap="square" rtlCol="0">
+            <a:spAutoFit/>
+          </a:bodyPr>
+          <a:lstStyle/>
+          <a:p>
+            <a:pPr rtl="0">
+              <a:spcBef>
+                <a:spcPts val="0"/>
+              </a:spcBef>
+              <a:spcAft>
+                <a:spcPts val="0"/>
+              </a:spcAft>
+            </a:pPr>
+            <a:r>
+              <a:rPr lang="en-US" sz="3600" b="1" u="sng" dirty="0">
+                <a:effectLst/>
+              </a:rPr>
+              <a:t>Globular clusters</a:t>
+            </a:r>
+            <a:r>
+              <a:rPr lang="en-US" sz="3600" b="1" dirty="0">
+                <a:effectLst/>
+              </a:rPr>
+              <a:t> (GCs) </a:t>
+            </a:r>
+            <a:r>
+              <a:rPr lang="en-US" sz="3600" dirty="0">
+                <a:effectLst/>
+              </a:rPr>
+              <a:t>are dense groups of gravitationally-bound stars.  They appear as stars to the naked eye, but are actually clusters of tens of thousands to millions of individual stars. The density of globular clusters results in a much higher rate of </a:t>
+            </a:r>
+            <a:r>
+              <a:rPr lang="en-US" sz="3600" dirty="0"/>
+              <a:t>stellar interactions.</a:t>
+            </a:r>
+          </a:p>
+          <a:p>
+            <a:pPr rtl="0">
+              <a:spcBef>
+                <a:spcPts val="0"/>
+              </a:spcBef>
+              <a:spcAft>
+                <a:spcPts val="0"/>
+              </a:spcAft>
+            </a:pPr>
+            <a:endParaRPr lang="en-US" sz="3600" b="1" u="sng" dirty="0">
+              <a:effectLst/>
+            </a:endParaRPr>
+          </a:p>
+          <a:p>
+            <a:pPr rtl="0">
+              <a:spcBef>
+                <a:spcPts val="0"/>
+              </a:spcBef>
+              <a:spcAft>
+                <a:spcPts val="0"/>
+              </a:spcAft>
+            </a:pPr>
+            <a:r>
+              <a:rPr lang="en-US" sz="3600" b="1" u="sng" dirty="0">
+                <a:effectLst/>
+              </a:rPr>
+              <a:t>Pulsars</a:t>
+            </a:r>
+            <a:r>
+              <a:rPr lang="en-US" sz="3600" dirty="0">
+                <a:effectLst/>
+              </a:rPr>
+              <a:t> are rapidly rotating neutron stars with strong magnetic fields. The rotating magnetic field creates two bright “beams” of radiation that sweep across the sky. When these beams happen to cross over Earth, we detect a “pulse”, much like a lighthouse appears to pulse as it sweeps across a given vantage point.</a:t>
+            </a:r>
+          </a:p>
+          <a:p>
+            <a:pPr rtl="0">
+              <a:spcBef>
+                <a:spcPts val="0"/>
+              </a:spcBef>
+              <a:spcAft>
+                <a:spcPts val="0"/>
+              </a:spcAft>
+            </a:pPr>
+            <a:endParaRPr lang="en-US" sz="3600" b="1" u="sng" dirty="0"/>
+          </a:p>
+          <a:p>
+            <a:pPr rtl="0">
+              <a:spcBef>
+                <a:spcPts val="0"/>
+              </a:spcBef>
+              <a:spcAft>
+                <a:spcPts val="0"/>
+              </a:spcAft>
+            </a:pPr>
+            <a:r>
+              <a:rPr lang="en-US" sz="3600" dirty="0"/>
+              <a:t>The high rate of stellar interactions in GCs results in a population of pulsars with much faster rotation rates than those in the galactic disc. The vast majority of pulsars included in this study have periods on the order of milliseconds, lending them the name </a:t>
+            </a:r>
+            <a:r>
+              <a:rPr lang="en-US" sz="3600" b="1" dirty="0"/>
+              <a:t>Millisecond Pulsars (MSPs)</a:t>
+            </a:r>
+            <a:r>
+              <a:rPr lang="en-US" sz="3600" dirty="0"/>
+              <a:t>. </a:t>
+            </a:r>
+            <a:endParaRPr lang="en-US" sz="3600" dirty="0">
+              <a:effectLst/>
+            </a:endParaRPr>
+          </a:p>
+        </p:txBody>
+      </p:sp>
+      <p:grpSp>
+        <p:nvGrpSpPr>
+          <p:cNvPr id="21" name="Group 20">
+            <a:extLst>
+              <a:ext uri="{FF2B5EF4-FFF2-40B4-BE49-F238E27FC236}">
+                <a16:creationId xmlns:a16="http://schemas.microsoft.com/office/drawing/2014/main" id="{7B596F16-609D-8194-CA4A-50FFCC717D56}"/>
+              </a:ext>
+            </a:extLst>
+          </p:cNvPr>
+          <p:cNvGrpSpPr/>
+          <p:nvPr/>
+        </p:nvGrpSpPr>
+        <p:grpSpPr>
+          <a:xfrm>
+            <a:off x="17785070" y="21541935"/>
+            <a:ext cx="11704344" cy="4389130"/>
+            <a:chOff x="19110936" y="14622766"/>
+            <a:chExt cx="11704344" cy="4389130"/>
+          </a:xfrm>
+        </p:grpSpPr>
+        <p:pic>
+          <p:nvPicPr>
+            <p:cNvPr id="16" name="Picture 15" descr="A graph of a normal distribution&#10;&#10;Description automatically generated">
+              <a:extLst>
+                <a:ext uri="{FF2B5EF4-FFF2-40B4-BE49-F238E27FC236}">
+                  <a16:creationId xmlns:a16="http://schemas.microsoft.com/office/drawing/2014/main" id="{0C5B63DF-8024-BC61-06F0-69BB5EB025D1}"/>
+                </a:ext>
+              </a:extLst>
+            </p:cNvPr>
+            <p:cNvPicPr>
+              <a:picLocks noChangeAspect="1"/>
+            </p:cNvPicPr>
+            <p:nvPr/>
+          </p:nvPicPr>
+          <p:blipFill>
+            <a:blip r:embed="rId7">
+              <a:extLst>
+                <a:ext uri="{28A0092B-C50C-407E-A947-70E740481C1C}">
+                  <a14:useLocalDpi xmlns:a14="http://schemas.microsoft.com/office/drawing/2010/main" val="0"/>
+                </a:ext>
+              </a:extLst>
+            </a:blip>
+            <a:stretch>
+              <a:fillRect/>
+            </a:stretch>
+          </p:blipFill>
+          <p:spPr>
+            <a:xfrm>
+              <a:off x="19110936" y="14622767"/>
+              <a:ext cx="5852172" cy="4389129"/>
+            </a:xfrm>
+            <a:prstGeom prst="rect">
+              <a:avLst/>
+            </a:prstGeom>
+          </p:spPr>
+        </p:pic>
+        <p:pic>
+          <p:nvPicPr>
+            <p:cNvPr id="19" name="Picture 18" descr="A graph of a line&#10;&#10;Description automatically generated with medium confidence">
+              <a:extLst>
+                <a:ext uri="{FF2B5EF4-FFF2-40B4-BE49-F238E27FC236}">
+                  <a16:creationId xmlns:a16="http://schemas.microsoft.com/office/drawing/2014/main" id="{FC34945D-532D-3D52-8556-CE92C7C9CE28}"/>
+                </a:ext>
+              </a:extLst>
+            </p:cNvPr>
+            <p:cNvPicPr>
+              <a:picLocks noChangeAspect="1"/>
+            </p:cNvPicPr>
+            <p:nvPr/>
+          </p:nvPicPr>
+          <p:blipFill>
+            <a:blip r:embed="rId8">
+              <a:extLst>
+                <a:ext uri="{28A0092B-C50C-407E-A947-70E740481C1C}">
+                  <a14:useLocalDpi xmlns:a14="http://schemas.microsoft.com/office/drawing/2010/main" val="0"/>
+                </a:ext>
+              </a:extLst>
+            </a:blip>
+            <a:stretch>
+              <a:fillRect/>
+            </a:stretch>
+          </p:blipFill>
+          <p:spPr>
+            <a:xfrm>
+              <a:off x="24963108" y="14622766"/>
+              <a:ext cx="5852172" cy="4389129"/>
+            </a:xfrm>
+            <a:prstGeom prst="rect">
+              <a:avLst/>
+            </a:prstGeom>
+          </p:spPr>
+        </p:pic>
+      </p:grpSp>
+      <p:sp>
+        <p:nvSpPr>
+          <p:cNvPr id="22" name="TextBox 21">
+            <a:extLst>
+              <a:ext uri="{FF2B5EF4-FFF2-40B4-BE49-F238E27FC236}">
+                <a16:creationId xmlns:a16="http://schemas.microsoft.com/office/drawing/2014/main" id="{0077B6CC-E2D9-73BB-61F2-7386B8067DD4}"/>
+              </a:ext>
+            </a:extLst>
+          </p:cNvPr>
+          <p:cNvSpPr txBox="1"/>
+          <p:nvPr/>
+        </p:nvSpPr>
+        <p:spPr>
+          <a:xfrm>
+            <a:off x="20193000" y="12557093"/>
+            <a:ext cx="3306418" cy="646331"/>
+          </a:xfrm>
+          <a:prstGeom prst="rect">
+            <a:avLst/>
+          </a:prstGeom>
+          <a:noFill/>
+        </p:spPr>
+        <p:txBody>
+          <a:bodyPr wrap="none" rtlCol="0">
+            <a:spAutoFit/>
+          </a:bodyPr>
+          <a:lstStyle/>
+          <a:p>
+            <a:r>
+              <a:rPr lang="en-US" sz="3600" dirty="0"/>
+              <a:t>Histogram Here</a:t>
+            </a:r>
+          </a:p>
+        </p:txBody>
+      </p:sp>
+      <p:sp>
+        <p:nvSpPr>
+          <p:cNvPr id="23" name="TextBox 22">
+            <a:extLst>
+              <a:ext uri="{FF2B5EF4-FFF2-40B4-BE49-F238E27FC236}">
+                <a16:creationId xmlns:a16="http://schemas.microsoft.com/office/drawing/2014/main" id="{0A81F605-F24B-EF25-D414-1539E5F6F762}"/>
+              </a:ext>
+            </a:extLst>
+          </p:cNvPr>
+          <p:cNvSpPr txBox="1"/>
+          <p:nvPr/>
+        </p:nvSpPr>
+        <p:spPr>
+          <a:xfrm>
+            <a:off x="21374100" y="19347371"/>
+            <a:ext cx="3179525" cy="646331"/>
+          </a:xfrm>
+          <a:prstGeom prst="rect">
+            <a:avLst/>
+          </a:prstGeom>
+          <a:noFill/>
+        </p:spPr>
+        <p:txBody>
+          <a:bodyPr wrap="none" rtlCol="0">
+            <a:spAutoFit/>
+          </a:bodyPr>
+          <a:lstStyle/>
+          <a:p>
+            <a:r>
+              <a:rPr lang="en-US" sz="3600" dirty="0"/>
+              <a:t>Flow </a:t>
+            </a:r>
+            <a:r>
+              <a:rPr lang="en-US" sz="3600" dirty="0" err="1"/>
+              <a:t>Diag</a:t>
+            </a:r>
+            <a:r>
+              <a:rPr lang="en-US" sz="3600" dirty="0"/>
+              <a:t> Here</a:t>
+            </a:r>
+          </a:p>
+        </p:txBody>
+      </p:sp>
+      <p:sp>
+        <p:nvSpPr>
+          <p:cNvPr id="25" name="TextBox 24">
+            <a:extLst>
+              <a:ext uri="{FF2B5EF4-FFF2-40B4-BE49-F238E27FC236}">
+                <a16:creationId xmlns:a16="http://schemas.microsoft.com/office/drawing/2014/main" id="{D6592DA4-AF47-0B8F-5ACB-932DA56CC59E}"/>
+              </a:ext>
+            </a:extLst>
+          </p:cNvPr>
+          <p:cNvSpPr txBox="1"/>
+          <p:nvPr/>
+        </p:nvSpPr>
+        <p:spPr>
+          <a:xfrm>
+            <a:off x="16459200" y="27297415"/>
+            <a:ext cx="14356080" cy="7848302"/>
+          </a:xfrm>
+          <a:prstGeom prst="rect">
+            <a:avLst/>
+          </a:prstGeom>
+          <a:noFill/>
+        </p:spPr>
+        <p:txBody>
+          <a:bodyPr wrap="square" rtlCol="0">
+            <a:spAutoFit/>
+          </a:bodyPr>
+          <a:lstStyle/>
+          <a:p>
+            <a:pPr rtl="0">
+              <a:spcBef>
+                <a:spcPts val="0"/>
+              </a:spcBef>
+              <a:spcAft>
+                <a:spcPts val="0"/>
+              </a:spcAft>
+            </a:pPr>
+            <a:r>
+              <a:rPr lang="de-DE" sz="3600" dirty="0"/>
+              <a:t>Bahramian, A., Heinke, C. O., Sivakoff, G. R., &amp; Gladstone, J. C. (2013). Stellar Encounter Rate in Galactic Globular Clusters. </a:t>
+            </a:r>
+            <a:r>
+              <a:rPr lang="de-DE" sz="3600" i="1" dirty="0"/>
+              <a:t>The Astrophysical Journal, 766(</a:t>
+            </a:r>
+            <a:r>
+              <a:rPr lang="de-DE" sz="3600" dirty="0"/>
+              <a:t>2), 136.</a:t>
+            </a:r>
+          </a:p>
+          <a:p>
+            <a:pPr rtl="0">
+              <a:spcBef>
+                <a:spcPts val="0"/>
+              </a:spcBef>
+              <a:spcAft>
+                <a:spcPts val="0"/>
+              </a:spcAft>
+            </a:pPr>
+            <a:endParaRPr lang="de-DE" sz="3600" dirty="0"/>
+          </a:p>
+          <a:p>
+            <a:pPr rtl="0">
+              <a:spcBef>
+                <a:spcPts val="0"/>
+              </a:spcBef>
+              <a:spcAft>
+                <a:spcPts val="0"/>
+              </a:spcAft>
+            </a:pPr>
+            <a:r>
+              <a:rPr lang="en-US" sz="3600" dirty="0" err="1"/>
+              <a:t>Friere</a:t>
+            </a:r>
+            <a:r>
+              <a:rPr lang="en-US" sz="3600" dirty="0"/>
+              <a:t>, P. C.</a:t>
+            </a:r>
+            <a:r>
+              <a:rPr lang="en-US" sz="3600" dirty="0">
+                <a:effectLst/>
+              </a:rPr>
+              <a:t> (n.d.). Pulsars in Globular Clusters. https://www3.mpifr-bonn.mpg.de/staff/pfreire/GCpsr.html </a:t>
+            </a:r>
+          </a:p>
+          <a:p>
+            <a:pPr rtl="0">
+              <a:spcBef>
+                <a:spcPts val="0"/>
+              </a:spcBef>
+              <a:spcAft>
+                <a:spcPts val="0"/>
+              </a:spcAft>
+            </a:pPr>
+            <a:endParaRPr lang="en-US" sz="3600" dirty="0">
+              <a:effectLst/>
+            </a:endParaRPr>
+          </a:p>
+          <a:p>
+            <a:pPr rtl="0">
+              <a:spcBef>
+                <a:spcPts val="0"/>
+              </a:spcBef>
+              <a:spcAft>
+                <a:spcPts val="0"/>
+              </a:spcAft>
+            </a:pPr>
+            <a:r>
+              <a:rPr lang="en-US" sz="3600" dirty="0"/>
+              <a:t>Harris, W. E. (1996). A Catalog of Parameters for Globular Clusters in the Milky Way. </a:t>
+            </a:r>
+            <a:r>
+              <a:rPr lang="en-US" sz="3600" i="1" dirty="0"/>
+              <a:t>The Astronomical Journal</a:t>
+            </a:r>
+            <a:r>
+              <a:rPr lang="en-US" sz="3600" dirty="0"/>
+              <a:t>, </a:t>
+            </a:r>
+            <a:r>
+              <a:rPr lang="en-US" sz="3600" i="1" dirty="0"/>
+              <a:t>112</a:t>
+            </a:r>
+            <a:r>
+              <a:rPr lang="en-US" sz="3600" dirty="0"/>
+              <a:t>, 1487</a:t>
+            </a:r>
+          </a:p>
+          <a:p>
+            <a:pPr rtl="0">
+              <a:spcBef>
+                <a:spcPts val="0"/>
+              </a:spcBef>
+              <a:spcAft>
+                <a:spcPts val="0"/>
+              </a:spcAft>
+            </a:pPr>
+            <a:endParaRPr lang="en-US" sz="3600" dirty="0"/>
+          </a:p>
+          <a:p>
+            <a:pPr rtl="0">
+              <a:spcBef>
+                <a:spcPts val="0"/>
+              </a:spcBef>
+              <a:spcAft>
+                <a:spcPts val="0"/>
+              </a:spcAft>
+            </a:pPr>
+            <a:r>
+              <a:rPr lang="en-US" sz="3600" dirty="0"/>
+              <a:t>Manchester, R. N., Hobbs, G. B., Teoh, A., &amp; Hobbs, M. (2005). The Australia Telescope National Facility Pulsar Catalogue. </a:t>
+            </a:r>
+            <a:r>
+              <a:rPr lang="en-US" sz="3600" i="1" dirty="0"/>
+              <a:t>The Astronomical Journal</a:t>
+            </a:r>
+            <a:r>
+              <a:rPr lang="en-US" sz="3600" dirty="0"/>
+              <a:t>, </a:t>
+            </a:r>
+            <a:r>
+              <a:rPr lang="en-US" sz="3600" i="1" dirty="0"/>
+              <a:t>129</a:t>
+            </a:r>
+            <a:r>
+              <a:rPr lang="en-US" sz="3600" dirty="0"/>
+              <a:t>(4), 1993–2006. </a:t>
+            </a:r>
+            <a:r>
+              <a:rPr lang="de-DE" sz="3600" dirty="0"/>
+              <a:t>https://www.atnf.csiro.au/research/pulsar/psrcat/</a:t>
+            </a:r>
+            <a:endParaRPr lang="en-US" sz="3600" dirty="0"/>
+          </a:p>
+        </p:txBody>
+      </p:sp>
     </p:spTree>
     <p:extLst>
       <p:ext uri="{BB962C8B-B14F-4D97-AF65-F5344CB8AC3E}">
